--- a/시큐리티설명3/신입SW인력을_위한_실전_자바(Java)_스프링(Spring)_동영상과정_제25강_Security-입문-2 [자동 저장].pptx
+++ b/시큐리티설명3/신입SW인력을_위한_실전_자바(Java)_스프링(Spring)_동영상과정_제25강_Security-입문-2 [자동 저장].pptx
@@ -1,28 +1,29 @@
 
 <file path=ppt/presentation.xml><?xml version="1.0" encoding="utf-8"?>
-<p:presentation xmlns:a="http://schemas.openxmlformats.org/drawingml/2006/main" xmlns:r="http://schemas.openxmlformats.org/officeDocument/2006/relationships" xmlns:p="http://schemas.openxmlformats.org/presentationml/2006/main" saveSubsetFonts="1">
+<p:presentation xmlns:r="http://schemas.openxmlformats.org/officeDocument/2006/relationships" xmlns:c="http://schemas.openxmlformats.org/drawingml/2006/chart" xmlns:a="http://schemas.openxmlformats.org/drawingml/2006/main" xmlns:dgm="http://schemas.openxmlformats.org/drawingml/2006/diagram" xmlns:dsp="http://schemas.microsoft.com/office/drawing/2008/diagram" xmlns:p="http://schemas.openxmlformats.org/presentationml/2006/main" saveSubsetFonts="1">
   <p:sldMasterIdLst>
-    <p:sldMasterId id="2147483648" r:id="rId1"/>
+    <p:sldMasterId id="2147483663" r:id="rId1"/>
   </p:sldMasterIdLst>
   <p:notesMasterIdLst>
-    <p:notesMasterId r:id="rId17"/>
+    <p:notesMasterId r:id="rId2"/>
   </p:notesMasterIdLst>
   <p:sldIdLst>
-    <p:sldId id="263" r:id="rId2"/>
-    <p:sldId id="271" r:id="rId3"/>
-    <p:sldId id="280" r:id="rId4"/>
-    <p:sldId id="283" r:id="rId5"/>
-    <p:sldId id="282" r:id="rId6"/>
-    <p:sldId id="287" r:id="rId7"/>
-    <p:sldId id="275" r:id="rId8"/>
-    <p:sldId id="276" r:id="rId9"/>
-    <p:sldId id="277" r:id="rId10"/>
-    <p:sldId id="278" r:id="rId11"/>
-    <p:sldId id="279" r:id="rId12"/>
-    <p:sldId id="272" r:id="rId13"/>
-    <p:sldId id="285" r:id="rId14"/>
-    <p:sldId id="284" r:id="rId15"/>
-    <p:sldId id="286" r:id="rId16"/>
+    <p:sldId id="256" r:id="rId3"/>
+    <p:sldId id="257" r:id="rId4"/>
+    <p:sldId id="258" r:id="rId5"/>
+    <p:sldId id="259" r:id="rId6"/>
+    <p:sldId id="260" r:id="rId7"/>
+    <p:sldId id="261" r:id="rId8"/>
+    <p:sldId id="262" r:id="rId9"/>
+    <p:sldId id="263" r:id="rId10"/>
+    <p:sldId id="264" r:id="rId11"/>
+    <p:sldId id="265" r:id="rId12"/>
+    <p:sldId id="266" r:id="rId13"/>
+    <p:sldId id="267" r:id="rId14"/>
+    <p:sldId id="268" r:id="rId15"/>
+    <p:sldId id="269" r:id="rId16"/>
+    <p:sldId id="270" r:id="rId17"/>
+    <p:sldId id="271" r:id="rId18"/>
   </p:sldIdLst>
   <p:sldSz cx="12192000" cy="6858000"/>
   <p:notesSz cx="6858000" cy="9144000"/>
@@ -121,27 +122,11 @@
       </a:defRPr>
     </a:lvl9pPr>
   </p:defaultTextStyle>
-  <p:extLst>
-    <p:ext uri="{EFAFB233-063F-42B5-8137-9DF3F51BA10A}">
-      <p15:sldGuideLst xmlns:p15="http://schemas.microsoft.com/office/powerpoint/2012/main">
-        <p15:guide id="1" orient="horz" pos="2160">
-          <p15:clr>
-            <a:srgbClr val="A4A3A4"/>
-          </p15:clr>
-        </p15:guide>
-        <p15:guide id="2" pos="3840">
-          <p15:clr>
-            <a:srgbClr val="A4A3A4"/>
-          </p15:clr>
-        </p15:guide>
-      </p15:sldGuideLst>
-    </p:ext>
-  </p:extLst>
 </p:presentation>
 </file>
 
 <file path=ppt/notesMasters/notesMaster1.xml><?xml version="1.0" encoding="utf-8"?>
-<p:notesMaster xmlns:a="http://schemas.openxmlformats.org/drawingml/2006/main" xmlns:r="http://schemas.openxmlformats.org/officeDocument/2006/relationships" xmlns:p="http://schemas.openxmlformats.org/presentationml/2006/main">
+<p:notesMaster xmlns:r="http://schemas.openxmlformats.org/officeDocument/2006/relationships" xmlns:c="http://schemas.openxmlformats.org/drawingml/2006/chart" xmlns:a="http://schemas.openxmlformats.org/drawingml/2006/main" xmlns:dgm="http://schemas.openxmlformats.org/drawingml/2006/diagram" xmlns:dsp="http://schemas.microsoft.com/office/drawing/2008/diagram" xmlns:p="http://schemas.openxmlformats.org/presentationml/2006/main">
   <p:cSld>
     <p:bg>
       <p:bgRef idx="1001">
@@ -169,7 +154,7 @@
             <a:spLocks noGrp="1"/>
           </p:cNvSpPr>
           <p:nvPr>
-            <p:ph type="hdr" sz="quarter"/>
+            <p:ph type="hdr" sz="quarter" idx="0"/>
           </p:nvPr>
         </p:nvSpPr>
         <p:spPr>
@@ -182,13 +167,20 @@
           </a:prstGeom>
         </p:spPr>
         <p:txBody>
-          <a:bodyPr vert="horz" lIns="91440" tIns="45720" rIns="91440" bIns="45720" rtlCol="0"/>
+          <a:bodyPr vert="horz" lIns="91440" tIns="45720" rIns="91440" bIns="45720"/>
           <a:lstStyle>
             <a:lvl1pPr algn="l">
               <a:defRPr sz="1200"/>
             </a:lvl1pPr>
           </a:lstStyle>
           <a:p>
+            <a:pPr lvl="0">
+              <a:defRPr/>
+            </a:pPr>
+            <a:r>
+              <a:rPr lang="ko-KR" altLang="en-US"/>
+              <a:t/>
+            </a:r>
             <a:endParaRPr lang="ko-KR" altLang="en-US"/>
           </a:p>
         </p:txBody>
@@ -213,16 +205,22 @@
           </a:prstGeom>
         </p:spPr>
         <p:txBody>
-          <a:bodyPr vert="horz" lIns="91440" tIns="45720" rIns="91440" bIns="45720" rtlCol="0"/>
+          <a:bodyPr vert="horz" lIns="91440" tIns="45720" rIns="91440" bIns="45720"/>
           <a:lstStyle>
             <a:lvl1pPr algn="r">
               <a:defRPr sz="1200"/>
             </a:lvl1pPr>
           </a:lstStyle>
           <a:p>
-            <a:fld id="{1EBA1ADC-3FB7-40DA-B2DE-355D9B030C78}" type="datetimeFigureOut">
-              <a:rPr lang="ko-KR" altLang="en-US" smtClean="0"/>
-              <a:t>2019-10-07</a:t>
+            <a:pPr lvl="0">
+              <a:defRPr/>
+            </a:pPr>
+            <a:fld id="{1EBA1ADC-3FB7-40DA-B2DE-355D9B030C78}" type="datetime1">
+              <a:rPr lang="ko-KR" altLang="en-US"/>
+              <a:pPr lvl="0">
+                <a:defRPr/>
+              </a:pPr>
+              <a:t>2022-01-02</a:t>
             </a:fld>
             <a:endParaRPr lang="ko-KR" altLang="en-US"/>
           </a:p>
@@ -232,7 +230,7 @@
         <p:nvSpPr>
           <p:cNvPr id="4" name="슬라이드 이미지 개체 틀 3"/>
           <p:cNvSpPr>
-            <a:spLocks noGrp="1" noRot="1" noChangeAspect="1"/>
+            <a:spLocks noGrp="1" noRot="1" noChangeAspect="1" noTextEdit="1"/>
           </p:cNvSpPr>
           <p:nvPr>
             <p:ph type="sldImg" idx="2"/>
@@ -254,9 +252,12 @@
           </a:ln>
         </p:spPr>
         <p:txBody>
-          <a:bodyPr vert="horz" lIns="91440" tIns="45720" rIns="91440" bIns="45720" rtlCol="0" anchor="ctr"/>
+          <a:bodyPr vert="horz" lIns="91440" tIns="45720" rIns="91440" bIns="45720" anchor="ctr"/>
           <a:lstStyle/>
           <a:p>
+            <a:pPr lvl="0">
+              <a:defRPr/>
+            </a:pPr>
             <a:endParaRPr lang="ko-KR" altLang="en-US"/>
           </a:p>
         </p:txBody>
@@ -281,42 +282,57 @@
           </a:prstGeom>
         </p:spPr>
         <p:txBody>
-          <a:bodyPr vert="horz" lIns="91440" tIns="45720" rIns="91440" bIns="45720" rtlCol="0"/>
+          <a:bodyPr vert="horz" lIns="91440" tIns="45720" rIns="91440" bIns="45720"/>
           <a:lstStyle/>
           <a:p>
-            <a:pPr lvl="0"/>
+            <a:pPr lvl="0">
+              <a:defRPr/>
+            </a:pPr>
             <a:r>
               <a:rPr lang="ko-KR" altLang="en-US"/>
               <a:t>마스터 텍스트 스타일을 편집합니다</a:t>
             </a:r>
-          </a:p>
-          <a:p>
-            <a:pPr lvl="1"/>
+            <a:endParaRPr lang="ko-KR" altLang="en-US"/>
+          </a:p>
+          <a:p>
+            <a:pPr lvl="1">
+              <a:defRPr/>
+            </a:pPr>
             <a:r>
               <a:rPr lang="ko-KR" altLang="en-US"/>
               <a:t>둘째 수준</a:t>
             </a:r>
-          </a:p>
-          <a:p>
-            <a:pPr lvl="2"/>
+            <a:endParaRPr lang="ko-KR" altLang="en-US"/>
+          </a:p>
+          <a:p>
+            <a:pPr lvl="2">
+              <a:defRPr/>
+            </a:pPr>
             <a:r>
               <a:rPr lang="ko-KR" altLang="en-US"/>
               <a:t>셋째 수준</a:t>
             </a:r>
-          </a:p>
-          <a:p>
-            <a:pPr lvl="3"/>
+            <a:endParaRPr lang="ko-KR" altLang="en-US"/>
+          </a:p>
+          <a:p>
+            <a:pPr lvl="3">
+              <a:defRPr/>
+            </a:pPr>
             <a:r>
               <a:rPr lang="ko-KR" altLang="en-US"/>
               <a:t>넷째 수준</a:t>
             </a:r>
-          </a:p>
-          <a:p>
-            <a:pPr lvl="4"/>
+            <a:endParaRPr lang="ko-KR" altLang="en-US"/>
+          </a:p>
+          <a:p>
+            <a:pPr lvl="4">
+              <a:defRPr/>
+            </a:pPr>
             <a:r>
               <a:rPr lang="ko-KR" altLang="en-US"/>
               <a:t>다섯째 수준</a:t>
             </a:r>
+            <a:endParaRPr lang="ko-KR" altLang="en-US"/>
           </a:p>
         </p:txBody>
       </p:sp>
@@ -340,13 +356,20 @@
           </a:prstGeom>
         </p:spPr>
         <p:txBody>
-          <a:bodyPr vert="horz" lIns="91440" tIns="45720" rIns="91440" bIns="45720" rtlCol="0" anchor="b"/>
+          <a:bodyPr vert="horz" lIns="91440" tIns="45720" rIns="91440" bIns="45720" anchor="b"/>
           <a:lstStyle>
             <a:lvl1pPr algn="l">
               <a:defRPr sz="1200"/>
             </a:lvl1pPr>
           </a:lstStyle>
           <a:p>
+            <a:pPr lvl="0">
+              <a:defRPr/>
+            </a:pPr>
+            <a:r>
+              <a:rPr lang="ko-KR" altLang="en-US"/>
+              <a:t/>
+            </a:r>
             <a:endParaRPr lang="ko-KR" altLang="en-US"/>
           </a:p>
         </p:txBody>
@@ -371,15 +394,21 @@
           </a:prstGeom>
         </p:spPr>
         <p:txBody>
-          <a:bodyPr vert="horz" lIns="91440" tIns="45720" rIns="91440" bIns="45720" rtlCol="0" anchor="b"/>
+          <a:bodyPr vert="horz" lIns="91440" tIns="45720" rIns="91440" bIns="45720" anchor="b"/>
           <a:lstStyle>
             <a:lvl1pPr algn="r">
               <a:defRPr sz="1200"/>
             </a:lvl1pPr>
           </a:lstStyle>
           <a:p>
+            <a:pPr lvl="0">
+              <a:defRPr/>
+            </a:pPr>
             <a:fld id="{E4E344A0-AA20-403B-B262-2ACEA066A204}" type="slidenum">
-              <a:rPr lang="ko-KR" altLang="en-US" smtClean="0"/>
+              <a:rPr lang="ko-KR" altLang="en-US"/>
+              <a:pPr lvl="0">
+                <a:defRPr/>
+              </a:pPr>
               <a:t>‹#›</a:t>
             </a:fld>
             <a:endParaRPr lang="ko-KR" altLang="en-US"/>
@@ -387,13 +416,9 @@
         </p:txBody>
       </p:sp>
     </p:spTree>
-    <p:extLst>
-      <p:ext uri="{BB962C8B-B14F-4D97-AF65-F5344CB8AC3E}">
-        <p14:creationId xmlns:p14="http://schemas.microsoft.com/office/powerpoint/2010/main" val="3926920549"/>
-      </p:ext>
-    </p:extLst>
   </p:cSld>
   <p:clrMap bg1="lt1" tx1="dk1" bg2="lt2" tx2="dk2" accent1="accent1" accent2="accent2" accent3="accent3" accent4="accent4" accent5="accent5" accent6="accent6" hlink="hlink" folHlink="folHlink"/>
+  <p:hf hdr="0" ftr="0" dt="0"/>
   <p:notesStyle>
     <a:lvl1pPr marL="0" algn="l" defTabSz="914400" rtl="0" eaLnBrk="1" latinLnBrk="1" hangingPunct="1">
       <a:defRPr sz="1200" kern="1200">
@@ -6263,6 +6288,280 @@
 </file>
 
 <file path=ppt/slides/slide13.xml><?xml version="1.0" encoding="utf-8"?>
+<p:sld xmlns:r="http://schemas.openxmlformats.org/officeDocument/2006/relationships" xmlns:c="http://schemas.openxmlformats.org/drawingml/2006/chart" xmlns:a="http://schemas.openxmlformats.org/drawingml/2006/main" xmlns:dgm="http://schemas.openxmlformats.org/drawingml/2006/diagram" xmlns:dsp="http://schemas.microsoft.com/office/drawing/2008/diagram" xmlns:p="http://schemas.openxmlformats.org/presentationml/2006/main">
+  <p:cSld>
+    <p:spTree>
+      <p:nvGrpSpPr>
+        <p:cNvPr id="1" name=""/>
+        <p:cNvGrpSpPr/>
+        <p:nvPr/>
+      </p:nvGrpSpPr>
+      <p:grpSpPr>
+        <a:xfrm>
+          <a:off x="0" y="0"/>
+          <a:ext cx="0" cy="0"/>
+          <a:chOff x="0" y="0"/>
+          <a:chExt cx="0" cy="0"/>
+        </a:xfrm>
+      </p:grpSpPr>
+      <p:sp>
+        <p:nvSpPr>
+          <p:cNvPr id="2" name="TextBox 1"/>
+          <p:cNvSpPr txBox="1"/>
+          <p:nvPr/>
+        </p:nvSpPr>
+        <p:spPr>
+          <a:xfrm>
+            <a:off x="677008" y="760205"/>
+            <a:ext cx="10676792" cy="338554"/>
+          </a:xfrm>
+          <a:prstGeom prst="rect">
+            <a:avLst/>
+          </a:prstGeom>
+          <a:noFill/>
+        </p:spPr>
+        <p:txBody>
+          <a:bodyPr wrap="square">
+            <a:spAutoFit/>
+          </a:bodyPr>
+          <a:lstStyle/>
+          <a:p>
+            <a:pPr lvl="0">
+              <a:defRPr/>
+            </a:pPr>
+            <a:r>
+              <a:rPr lang="en-US" altLang="ko-KR" sz="1600" b="1" kern="1200">
+                <a:solidFill>
+                  <a:schemeClr val="tx1"/>
+                </a:solidFill>
+                <a:effectLst/>
+                <a:latin typeface="+mn-ea"/>
+                <a:ea typeface="+mn-ea"/>
+              </a:rPr>
+              <a:t>25-8. CSRF(</a:t>
+            </a:r>
+            <a:r>
+              <a:rPr lang="ko-KR" altLang="en-US" sz="1600" b="1" kern="1200">
+                <a:solidFill>
+                  <a:schemeClr val="tx1"/>
+                </a:solidFill>
+                <a:effectLst/>
+                <a:latin typeface="+mn-ea"/>
+                <a:ea typeface="+mn-ea"/>
+              </a:rPr>
+              <a:t>사이트 간 위조 요청</a:t>
+            </a:r>
+            <a:r>
+              <a:rPr lang="en-US" altLang="ko-KR" sz="1600" b="1" kern="1200">
+                <a:solidFill>
+                  <a:schemeClr val="tx1"/>
+                </a:solidFill>
+                <a:effectLst/>
+                <a:latin typeface="+mn-ea"/>
+                <a:ea typeface="+mn-ea"/>
+              </a:rPr>
+              <a:t>) </a:t>
+            </a:r>
+            <a:r>
+              <a:rPr lang="ko-KR" altLang="en-US" sz="1600" b="1" kern="1200">
+                <a:solidFill>
+                  <a:schemeClr val="tx1"/>
+                </a:solidFill>
+                <a:effectLst/>
+                <a:latin typeface="+mn-ea"/>
+                <a:ea typeface="+mn-ea"/>
+              </a:rPr>
+              <a:t>공격이란</a:t>
+            </a:r>
+            <a:r>
+              <a:rPr lang="en-US" altLang="ko-KR" sz="1600" b="1" kern="1200">
+                <a:solidFill>
+                  <a:schemeClr val="tx1"/>
+                </a:solidFill>
+                <a:effectLst/>
+                <a:latin typeface="+mn-ea"/>
+                <a:ea typeface="+mn-ea"/>
+              </a:rPr>
+              <a:t>?</a:t>
+            </a:r>
+            <a:r>
+              <a:rPr lang="ko-KR" altLang="en-US" sz="1600" b="1" kern="1200">
+                <a:solidFill>
+                  <a:schemeClr val="tx1"/>
+                </a:solidFill>
+                <a:effectLst/>
+                <a:latin typeface="+mn-ea"/>
+                <a:ea typeface="+mn-ea"/>
+              </a:rPr>
+              <a:t> </a:t>
+            </a:r>
+            <a:r>
+              <a:rPr lang="en-US" altLang="ko-KR" sz="1600" b="1" kern="1200" baseline="0">
+                <a:solidFill>
+                  <a:schemeClr val="tx1"/>
+                </a:solidFill>
+                <a:effectLst/>
+                <a:latin typeface="+mn-ea"/>
+                <a:ea typeface="+mn-ea"/>
+              </a:rPr>
+              <a:t> </a:t>
+            </a:r>
+            <a:endParaRPr lang="ko-KR" altLang="en-US" sz="1600" b="1">
+              <a:latin typeface="+mn-ea"/>
+              <a:ea typeface="+mn-ea"/>
+            </a:endParaRPr>
+          </a:p>
+        </p:txBody>
+      </p:sp>
+      <p:sp>
+        <p:nvSpPr>
+          <p:cNvPr id="3" name="슬라이드 번호 개체 틀 2"/>
+          <p:cNvSpPr>
+            <a:spLocks noGrp="1"/>
+          </p:cNvSpPr>
+          <p:nvPr>
+            <p:ph type="sldNum" sz="quarter" idx="12"/>
+          </p:nvPr>
+        </p:nvSpPr>
+        <p:spPr/>
+        <p:txBody>
+          <a:bodyPr/>
+          <a:lstStyle/>
+          <a:p>
+            <a:pPr lvl="0">
+              <a:defRPr/>
+            </a:pPr>
+            <a:fld id="{CFC7ED37-DDEF-4DB7-963E-342CD9877B0B}" type="slidenum">
+              <a:rPr lang="en-US" altLang="en-US"/>
+              <a:pPr lvl="0">
+                <a:defRPr/>
+              </a:pPr>
+              <a:t>13</a:t>
+            </a:fld>
+            <a:endParaRPr lang="en-US" altLang="en-US"/>
+          </a:p>
+        </p:txBody>
+      </p:sp>
+      <p:cxnSp>
+        <p:nvCxnSpPr>
+          <p:cNvPr id="5" name="직선 연결선 4"/>
+          <p:cNvCxnSpPr/>
+          <p:nvPr/>
+        </p:nvCxnSpPr>
+        <p:spPr>
+          <a:xfrm>
+            <a:off x="677008" y="1107832"/>
+            <a:ext cx="10676792" cy="0"/>
+          </a:xfrm>
+          <a:prstGeom prst="line">
+            <a:avLst/>
+          </a:prstGeom>
+          <a:ln w="12700" cmpd="dbl">
+            <a:solidFill>
+              <a:schemeClr val="tx1">
+                <a:lumMod val="75000"/>
+                <a:lumOff val="25000"/>
+              </a:schemeClr>
+            </a:solidFill>
+          </a:ln>
+        </p:spPr>
+        <p:style>
+          <a:lnRef idx="1">
+            <a:schemeClr val="accent1"/>
+          </a:lnRef>
+          <a:fillRef idx="0">
+            <a:schemeClr val="accent1"/>
+          </a:fillRef>
+          <a:effectRef idx="0">
+            <a:schemeClr val="accent1"/>
+          </a:effectRef>
+          <a:fontRef idx="minor">
+            <a:schemeClr val="tx1"/>
+          </a:fontRef>
+        </p:style>
+      </p:cxnSp>
+      <p:sp>
+        <p:nvSpPr>
+          <p:cNvPr id="7" name="직사각형 6"/>
+          <p:cNvSpPr/>
+          <p:nvPr/>
+        </p:nvSpPr>
+        <p:spPr>
+          <a:xfrm>
+            <a:off x="722398" y="1592713"/>
+            <a:ext cx="10586012" cy="1974649"/>
+          </a:xfrm>
+          <a:prstGeom prst="rect">
+            <a:avLst/>
+          </a:prstGeom>
+        </p:spPr>
+        <p:style>
+          <a:lnRef idx="2">
+            <a:schemeClr val="accent1">
+              <a:shade val="50000"/>
+            </a:schemeClr>
+          </a:lnRef>
+          <a:fillRef idx="1">
+            <a:schemeClr val="accent1"/>
+          </a:fillRef>
+          <a:effectRef idx="0">
+            <a:schemeClr val="accent1"/>
+          </a:effectRef>
+          <a:fontRef idx="minor">
+            <a:schemeClr val="lt1"/>
+          </a:fontRef>
+        </p:style>
+        <p:txBody>
+          <a:bodyPr anchor="ctr"/>
+          <a:lstStyle/>
+          <a:p>
+            <a:pPr marL="342900" indent="-342900">
+              <a:buAutoNum type="arabicPeriod"/>
+              <a:defRPr/>
+            </a:pPr>
+            <a:r>
+              <a:rPr lang="ko-KR" altLang="en-US"/>
+              <a:t>이 정책에 의해서 자바스크립트(XMLHttpRequest)로 다른 웹페이지에 접근할 때는 같은 출처(same origin)의 페이지에만 접근이 가능하다. </a:t>
+            </a:r>
+            <a:endParaRPr lang="ko-KR" altLang="en-US"/>
+          </a:p>
+          <a:p>
+            <a:pPr marL="342900" indent="-342900">
+              <a:buAutoNum type="arabicPeriod"/>
+              <a:defRPr/>
+            </a:pPr>
+            <a:endParaRPr lang="ko-KR" altLang="en-US"/>
+          </a:p>
+          <a:p>
+            <a:pPr marL="342900" indent="-342900">
+              <a:buAutoNum type="arabicPeriod"/>
+              <a:defRPr/>
+            </a:pPr>
+            <a:r>
+              <a:rPr lang="ko-KR" altLang="en-US"/>
+              <a:t>같은 출처라는 것은 프로토콜, 호스트명, 포트가 같다는 것을 의미한다. 즉 쉽게 말하면 웹페이지의 스크립트는 그 페이지와 같은 서버에 있는 주소로만 ajax 요청을 할 수 있다는 것이다.</a:t>
+            </a:r>
+            <a:endParaRPr lang="ko-KR" altLang="en-US"/>
+          </a:p>
+        </p:txBody>
+      </p:sp>
+    </p:spTree>
+  </p:cSld>
+  <p:clrMapOvr>
+    <a:masterClrMapping/>
+  </p:clrMapOvr>
+  <mc:AlternateContent xmlns:mc="http://schemas.openxmlformats.org/markup-compatibility/2006">
+    <mc:Choice xmlns:p14="http://schemas.microsoft.com/office/powerpoint/2010/main" Requires="p14">
+      <p:transition xmlns:mc="http://schemas.openxmlformats.org/markup-compatibility/2006" xmlns:p14="http://schemas.microsoft.com/office/powerpoint/2010/main" mc:Ignorable="p14" p14:dur="500"/>
+    </mc:Choice>
+    <mc:Fallback>
+      <p:transition/>
+    </mc:Fallback>
+  </mc:AlternateContent>
+</p:sld>
+</file>
+
+<file path=ppt/slides/slide14.xml><?xml version="1.0" encoding="utf-8"?>
 <p:sld xmlns:a="http://schemas.openxmlformats.org/drawingml/2006/main" xmlns:r="http://schemas.openxmlformats.org/officeDocument/2006/relationships" xmlns:p="http://schemas.openxmlformats.org/presentationml/2006/main">
   <p:cSld>
     <p:spTree>
@@ -6445,7 +6744,7 @@
 </p:sld>
 </file>
 
-<file path=ppt/slides/slide14.xml><?xml version="1.0" encoding="utf-8"?>
+<file path=ppt/slides/slide15.xml><?xml version="1.0" encoding="utf-8"?>
 <p:sld xmlns:a="http://schemas.openxmlformats.org/drawingml/2006/main" xmlns:r="http://schemas.openxmlformats.org/officeDocument/2006/relationships" xmlns:p="http://schemas.openxmlformats.org/presentationml/2006/main">
   <p:cSld>
     <p:spTree>
@@ -6628,7 +6927,7 @@
 </p:sld>
 </file>
 
-<file path=ppt/slides/slide15.xml><?xml version="1.0" encoding="utf-8"?>
+<file path=ppt/slides/slide16.xml><?xml version="1.0" encoding="utf-8"?>
 <p:sld xmlns:a="http://schemas.openxmlformats.org/drawingml/2006/main" xmlns:r="http://schemas.openxmlformats.org/officeDocument/2006/relationships" xmlns:p="http://schemas.openxmlformats.org/presentationml/2006/main">
   <p:cSld>
     <p:spTree>
@@ -9098,54 +9397,54 @@
 </file>
 
 <file path=ppt/theme/theme1.xml><?xml version="1.0" encoding="utf-8"?>
-<a:theme xmlns:a="http://schemas.openxmlformats.org/drawingml/2006/main" name="Office 테마">
+<a:theme xmlns:r="http://schemas.openxmlformats.org/officeDocument/2006/relationships" xmlns:c="http://schemas.openxmlformats.org/drawingml/2006/chart" xmlns:dgm="http://schemas.openxmlformats.org/drawingml/2006/diagram" xmlns:dsp="http://schemas.microsoft.com/office/drawing/2008/diagram" xmlns:a="http://schemas.openxmlformats.org/drawingml/2006/main" xmlns:pic="http://schemas.openxmlformats.org/drawingml/2006/picture" xmlns:wp="http://schemas.openxmlformats.org/drawingml/2006/wordprocessingDrawing" xmlns:xdr="http://schemas.openxmlformats.org/drawingml/2006/spreadsheetDrawing" xmlns:p="http://schemas.openxmlformats.org/presentationml/2006/main" name="Office 테마">
   <a:themeElements>
     <a:clrScheme name="Office">
       <a:dk1>
         <a:sysClr val="windowText" lastClr="000000"/>
       </a:dk1>
       <a:lt1>
-        <a:sysClr val="window" lastClr="FFFFFF"/>
+        <a:sysClr val="window" lastClr="ffffff"/>
       </a:lt1>
       <a:dk2>
-        <a:srgbClr val="44546A"/>
+        <a:srgbClr val="44546a"/>
       </a:dk2>
       <a:lt2>
-        <a:srgbClr val="E7E6E6"/>
+        <a:srgbClr val="e7e6e6"/>
       </a:lt2>
       <a:accent1>
-        <a:srgbClr val="5B9BD5"/>
+        <a:srgbClr val="5b9bd5"/>
       </a:accent1>
       <a:accent2>
-        <a:srgbClr val="ED7D31"/>
+        <a:srgbClr val="ed7d31"/>
       </a:accent2>
       <a:accent3>
-        <a:srgbClr val="A5A5A5"/>
+        <a:srgbClr val="a5a5a5"/>
       </a:accent3>
       <a:accent4>
-        <a:srgbClr val="FFC000"/>
+        <a:srgbClr val="ffc000"/>
       </a:accent4>
       <a:accent5>
-        <a:srgbClr val="4472C4"/>
+        <a:srgbClr val="4472c4"/>
       </a:accent5>
       <a:accent6>
-        <a:srgbClr val="70AD47"/>
+        <a:srgbClr val="70ad47"/>
       </a:accent6>
       <a:hlink>
-        <a:srgbClr val="0563C1"/>
+        <a:srgbClr val="0563c1"/>
       </a:hlink>
       <a:folHlink>
-        <a:srgbClr val="954F72"/>
+        <a:srgbClr val="954f72"/>
       </a:folHlink>
     </a:clrScheme>
     <a:fontScheme name="Office">
       <a:majorFont>
-        <a:latin typeface="맑은 고딕" panose="020F0302020204030204"/>
+        <a:latin typeface="맑은 고딕" panose="20"/>
         <a:ea typeface=""/>
         <a:cs typeface=""/>
-        <a:font script="Jpan" typeface="ＭＳ Ｐゴシック"/>
+        <a:font script="Jpan" typeface="MS PGothic"/>
         <a:font script="Hang" typeface="맑은 고딕"/>
-        <a:font script="Hans" typeface="宋体"/>
+        <a:font script="Hans" typeface="SimSun"/>
         <a:font script="Hant" typeface="新細明體"/>
         <a:font script="Arab" typeface="Times New Roman"/>
         <a:font script="Hebr" typeface="Times New Roman"/>
@@ -9175,12 +9474,12 @@
         <a:font script="Geor" typeface="Sylfaen"/>
       </a:majorFont>
       <a:minorFont>
-        <a:latin typeface="맑은 고딕" panose="020F0502020204030204"/>
+        <a:latin typeface="맑은 고딕" panose="20"/>
         <a:ea typeface=""/>
         <a:cs typeface=""/>
-        <a:font script="Jpan" typeface="ＭＳ Ｐゴシック"/>
+        <a:font script="Jpan" typeface="MS PGothic"/>
         <a:font script="Hang" typeface="맑은 고딕"/>
-        <a:font script="Hans" typeface="宋体"/>
+        <a:font script="Hans" typeface="SimSun"/>
         <a:font script="Hant" typeface="新細明體"/>
         <a:font script="Arab" typeface="Arial"/>
         <a:font script="Hebr" typeface="Arial"/>
@@ -9274,21 +9573,21 @@
             <a:schemeClr val="phClr"/>
           </a:solidFill>
           <a:prstDash val="solid"/>
-          <a:miter lim="800000"/>
+          <a:miter/>
         </a:ln>
         <a:ln w="12700" cap="flat" cmpd="sng" algn="ctr">
           <a:solidFill>
             <a:schemeClr val="phClr"/>
           </a:solidFill>
           <a:prstDash val="solid"/>
-          <a:miter lim="800000"/>
+          <a:miter/>
         </a:ln>
         <a:ln w="19050" cap="flat" cmpd="sng" algn="ctr">
           <a:solidFill>
             <a:schemeClr val="phClr"/>
           </a:solidFill>
           <a:prstDash val="solid"/>
-          <a:miter lim="800000"/>
+          <a:miter/>
         </a:ln>
       </a:lnStyleLst>
       <a:effectStyleLst>
@@ -9348,65 +9647,58 @@
       </a:bgFillStyleLst>
     </a:fmtScheme>
   </a:themeElements>
-  <a:objectDefaults/>
-  <a:extraClrSchemeLst/>
-  <a:extLst>
-    <a:ext uri="{05A4C25C-085E-4340-85A3-A5531E510DB2}">
-      <thm15:themeFamily xmlns:thm15="http://schemas.microsoft.com/office/thememl/2012/main" name="Office Theme" id="{62F939B6-93AF-4DB8-9C6B-D6C7DFDC589F}" vid="{4A3C46E8-61CC-4603-A589-7422A47A8E4A}"/>
-    </a:ext>
-  </a:extLst>
 </a:theme>
 </file>
 
 <file path=ppt/theme/theme2.xml><?xml version="1.0" encoding="utf-8"?>
-<a:theme xmlns:a="http://schemas.openxmlformats.org/drawingml/2006/main" name="Office 테마">
+<a:theme xmlns:r="http://schemas.openxmlformats.org/officeDocument/2006/relationships" xmlns:c="http://schemas.openxmlformats.org/drawingml/2006/chart" xmlns:dgm="http://schemas.openxmlformats.org/drawingml/2006/diagram" xmlns:dsp="http://schemas.microsoft.com/office/drawing/2008/diagram" xmlns:a="http://schemas.openxmlformats.org/drawingml/2006/main" xmlns:pic="http://schemas.openxmlformats.org/drawingml/2006/picture" xmlns:wp="http://schemas.openxmlformats.org/drawingml/2006/wordprocessingDrawing" xmlns:xdr="http://schemas.openxmlformats.org/drawingml/2006/spreadsheetDrawing" xmlns:p="http://schemas.openxmlformats.org/presentationml/2006/main" name="Office 테마">
   <a:themeElements>
     <a:clrScheme name="Office">
       <a:dk1>
         <a:sysClr val="windowText" lastClr="000000"/>
       </a:dk1>
       <a:lt1>
-        <a:sysClr val="window" lastClr="FFFFFF"/>
+        <a:sysClr val="window" lastClr="ffffff"/>
       </a:lt1>
       <a:dk2>
-        <a:srgbClr val="44546A"/>
+        <a:srgbClr val="44546a"/>
       </a:dk2>
       <a:lt2>
-        <a:srgbClr val="E7E6E6"/>
+        <a:srgbClr val="e7e6e6"/>
       </a:lt2>
       <a:accent1>
-        <a:srgbClr val="5B9BD5"/>
+        <a:srgbClr val="5b9bd5"/>
       </a:accent1>
       <a:accent2>
-        <a:srgbClr val="ED7D31"/>
+        <a:srgbClr val="ed7d31"/>
       </a:accent2>
       <a:accent3>
-        <a:srgbClr val="A5A5A5"/>
+        <a:srgbClr val="a5a5a5"/>
       </a:accent3>
       <a:accent4>
-        <a:srgbClr val="FFC000"/>
+        <a:srgbClr val="ffc000"/>
       </a:accent4>
       <a:accent5>
-        <a:srgbClr val="4472C4"/>
+        <a:srgbClr val="4472c4"/>
       </a:accent5>
       <a:accent6>
-        <a:srgbClr val="70AD47"/>
+        <a:srgbClr val="70ad47"/>
       </a:accent6>
       <a:hlink>
-        <a:srgbClr val="0563C1"/>
+        <a:srgbClr val="0563c1"/>
       </a:hlink>
       <a:folHlink>
-        <a:srgbClr val="954F72"/>
+        <a:srgbClr val="954f72"/>
       </a:folHlink>
     </a:clrScheme>
     <a:fontScheme name="Office">
       <a:majorFont>
-        <a:latin typeface="맑은 고딕" panose="020F0302020204030204"/>
+        <a:latin typeface="맑은 고딕" panose="20"/>
         <a:ea typeface=""/>
         <a:cs typeface=""/>
-        <a:font script="Jpan" typeface="ＭＳ Ｐゴシック"/>
+        <a:font script="Jpan" typeface="MS PGothic"/>
         <a:font script="Hang" typeface="맑은 고딕"/>
-        <a:font script="Hans" typeface="宋体"/>
+        <a:font script="Hans" typeface="SimSun"/>
         <a:font script="Hant" typeface="新細明體"/>
         <a:font script="Arab" typeface="Times New Roman"/>
         <a:font script="Hebr" typeface="Times New Roman"/>
@@ -9436,12 +9728,12 @@
         <a:font script="Geor" typeface="Sylfaen"/>
       </a:majorFont>
       <a:minorFont>
-        <a:latin typeface="맑은 고딕" panose="020F0502020204030204"/>
+        <a:latin typeface="맑은 고딕" panose="20"/>
         <a:ea typeface=""/>
         <a:cs typeface=""/>
-        <a:font script="Jpan" typeface="ＭＳ Ｐゴシック"/>
+        <a:font script="Jpan" typeface="MS PGothic"/>
         <a:font script="Hang" typeface="맑은 고딕"/>
-        <a:font script="Hans" typeface="宋体"/>
+        <a:font script="Hans" typeface="SimSun"/>
         <a:font script="Hant" typeface="新細明體"/>
         <a:font script="Arab" typeface="Arial"/>
         <a:font script="Hebr" typeface="Arial"/>
@@ -9535,21 +9827,21 @@
             <a:schemeClr val="phClr"/>
           </a:solidFill>
           <a:prstDash val="solid"/>
-          <a:miter lim="800000"/>
+          <a:miter/>
         </a:ln>
         <a:ln w="12700" cap="flat" cmpd="sng" algn="ctr">
           <a:solidFill>
             <a:schemeClr val="phClr"/>
           </a:solidFill>
           <a:prstDash val="solid"/>
-          <a:miter lim="800000"/>
+          <a:miter/>
         </a:ln>
         <a:ln w="19050" cap="flat" cmpd="sng" algn="ctr">
           <a:solidFill>
             <a:schemeClr val="phClr"/>
           </a:solidFill>
           <a:prstDash val="solid"/>
-          <a:miter lim="800000"/>
+          <a:miter/>
         </a:ln>
       </a:lnStyleLst>
       <a:effectStyleLst>
@@ -9609,12 +9901,5 @@
       </a:bgFillStyleLst>
     </a:fmtScheme>
   </a:themeElements>
-  <a:objectDefaults/>
-  <a:extraClrSchemeLst/>
-  <a:extLst>
-    <a:ext uri="{05A4C25C-085E-4340-85A3-A5531E510DB2}">
-      <thm15:themeFamily xmlns:thm15="http://schemas.microsoft.com/office/thememl/2012/main" name="Office Theme" id="{62F939B6-93AF-4DB8-9C6B-D6C7DFDC589F}" vid="{4A3C46E8-61CC-4603-A589-7422A47A8E4A}"/>
-    </a:ext>
-  </a:extLst>
 </a:theme>
 </file>